--- a/design/클래스다이어그램.pptx
+++ b/design/클래스다이어그램.pptx
@@ -5,10 +5,10 @@
     <p:sldMasterId id="2147483655" r:id="rId1"/>
   </p:sldMasterIdLst>
   <p:notesMasterIdLst>
-    <p:notesMasterId r:id="rId24"/>
+    <p:notesMasterId r:id="rId25"/>
   </p:notesMasterIdLst>
   <p:handoutMasterIdLst>
-    <p:handoutMasterId r:id="rId25"/>
+    <p:handoutMasterId r:id="rId26"/>
   </p:handoutMasterIdLst>
   <p:sldIdLst>
     <p:sldId id="256" r:id="rId2"/>
@@ -33,6 +33,7 @@
     <p:sldId id="276" r:id="rId21"/>
     <p:sldId id="277" r:id="rId22"/>
     <p:sldId id="278" r:id="rId23"/>
+    <p:sldId id="279" r:id="rId24"/>
   </p:sldIdLst>
   <p:sldSz cx="9144000" cy="6858000" type="screen4x3"/>
   <p:notesSz cx="6797675" cy="9928225"/>
@@ -6084,6 +6085,170 @@
     <p:extLst>
       <p:ext uri="{BB962C8B-B14F-4D97-AF65-F5344CB8AC3E}">
         <p14:creationId xmlns:p14="http://schemas.microsoft.com/office/powerpoint/2010/main" val="1470819153"/>
+      </p:ext>
+    </p:extLst>
+  </p:cSld>
+  <p:clrMapOvr>
+    <a:masterClrMapping/>
+  </p:clrMapOvr>
+</p:sld>
+</file>
+
+<file path=ppt/slides/slide23.xml><?xml version="1.0" encoding="utf-8"?>
+<p:sld xmlns:a="http://schemas.openxmlformats.org/drawingml/2006/main" xmlns:r="http://schemas.openxmlformats.org/officeDocument/2006/relationships" xmlns:p="http://schemas.openxmlformats.org/presentationml/2006/main">
+  <p:cSld>
+    <p:spTree>
+      <p:nvGrpSpPr>
+        <p:cNvPr id="1" name=""/>
+        <p:cNvGrpSpPr/>
+        <p:nvPr/>
+      </p:nvGrpSpPr>
+      <p:grpSpPr>
+        <a:xfrm>
+          <a:off x="0" y="0"/>
+          <a:ext cx="0" cy="0"/>
+          <a:chOff x="0" y="0"/>
+          <a:chExt cx="0" cy="0"/>
+        </a:xfrm>
+      </p:grpSpPr>
+      <p:sp>
+        <p:nvSpPr>
+          <p:cNvPr id="2" name="바닥글 개체 틀 1"/>
+          <p:cNvSpPr>
+            <a:spLocks noGrp="1"/>
+          </p:cNvSpPr>
+          <p:nvPr>
+            <p:ph type="ftr" sz="quarter" idx="3"/>
+          </p:nvPr>
+        </p:nvSpPr>
+        <p:spPr/>
+        <p:txBody>
+          <a:bodyPr/>
+          <a:lstStyle/>
+          <a:p>
+            <a:pPr algn="r"/>
+            <a:r>
+              <a:rPr lang="ko-KR" altLang="en-US"/>
+              <a:t>복학원정대</a:t>
+            </a:r>
+            <a:endParaRPr lang="en-US" altLang="ko-KR" dirty="0"/>
+          </a:p>
+        </p:txBody>
+      </p:sp>
+      <p:sp>
+        <p:nvSpPr>
+          <p:cNvPr id="3" name="TextBox 2"/>
+          <p:cNvSpPr txBox="1"/>
+          <p:nvPr/>
+        </p:nvSpPr>
+        <p:spPr>
+          <a:xfrm>
+            <a:off x="1255958" y="245060"/>
+            <a:ext cx="1012789" cy="307777"/>
+          </a:xfrm>
+          <a:prstGeom prst="rect">
+            <a:avLst/>
+          </a:prstGeom>
+          <a:noFill/>
+        </p:spPr>
+        <p:txBody>
+          <a:bodyPr wrap="square" rtlCol="0">
+            <a:spAutoFit/>
+          </a:bodyPr>
+          <a:lstStyle/>
+          <a:p>
+            <a:r>
+              <a:rPr lang="en-US" altLang="ko-KR" dirty="0">
+                <a:latin typeface="Times New Roman" panose="02020603050405020304" pitchFamily="18" charset="0"/>
+                <a:cs typeface="Times New Roman" panose="02020603050405020304" pitchFamily="18" charset="0"/>
+              </a:rPr>
+              <a:t>On Cloth</a:t>
+            </a:r>
+            <a:endParaRPr lang="ko-KR" altLang="en-US" dirty="0">
+              <a:latin typeface="Times New Roman" panose="02020603050405020304" pitchFamily="18" charset="0"/>
+              <a:cs typeface="Times New Roman" panose="02020603050405020304" pitchFamily="18" charset="0"/>
+            </a:endParaRPr>
+          </a:p>
+        </p:txBody>
+      </p:sp>
+      <p:sp>
+        <p:nvSpPr>
+          <p:cNvPr id="5" name="TextBox 4"/>
+          <p:cNvSpPr txBox="1"/>
+          <p:nvPr/>
+        </p:nvSpPr>
+        <p:spPr>
+          <a:xfrm>
+            <a:off x="228600" y="904875"/>
+            <a:ext cx="1879041" cy="307777"/>
+          </a:xfrm>
+          <a:prstGeom prst="rect">
+            <a:avLst/>
+          </a:prstGeom>
+          <a:noFill/>
+        </p:spPr>
+        <p:txBody>
+          <a:bodyPr wrap="none" rtlCol="0">
+            <a:spAutoFit/>
+          </a:bodyPr>
+          <a:lstStyle/>
+          <a:p>
+            <a:r>
+              <a:rPr lang="en-US" altLang="ko-KR" b="1" dirty="0"/>
+              <a:t>&lt;</a:t>
+            </a:r>
+            <a:r>
+              <a:rPr lang="ko-KR" altLang="en-US" b="1" dirty="0"/>
+              <a:t>플로우 다이어그램</a:t>
+            </a:r>
+            <a:r>
+              <a:rPr lang="en-US" altLang="ko-KR" b="1" dirty="0"/>
+              <a:t>&gt;</a:t>
+            </a:r>
+            <a:endParaRPr lang="ko-KR" altLang="en-US" b="1" dirty="0"/>
+          </a:p>
+        </p:txBody>
+      </p:sp>
+      <p:pic>
+        <p:nvPicPr>
+          <p:cNvPr id="7" name="Picture 6" descr="Chart, scatter chart, bubble chart&#10;&#10;Description automatically generated">
+            <a:extLst>
+              <a:ext uri="{FF2B5EF4-FFF2-40B4-BE49-F238E27FC236}">
+                <a16:creationId xmlns:a16="http://schemas.microsoft.com/office/drawing/2014/main" id="{11947075-71E7-5351-D673-4A174550DD36}"/>
+              </a:ext>
+            </a:extLst>
+          </p:cNvPr>
+          <p:cNvPicPr>
+            <a:picLocks noChangeAspect="1"/>
+          </p:cNvPicPr>
+          <p:nvPr/>
+        </p:nvPicPr>
+        <p:blipFill>
+          <a:blip r:embed="rId2">
+            <a:extLst>
+              <a:ext uri="{28A0092B-C50C-407E-A947-70E740481C1C}">
+                <a14:useLocalDpi xmlns:a14="http://schemas.microsoft.com/office/drawing/2010/main" val="0"/>
+              </a:ext>
+            </a:extLst>
+          </a:blip>
+          <a:stretch>
+            <a:fillRect/>
+          </a:stretch>
+        </p:blipFill>
+        <p:spPr>
+          <a:xfrm>
+            <a:off x="1611495" y="1268978"/>
+            <a:ext cx="6100216" cy="4684147"/>
+          </a:xfrm>
+          <a:prstGeom prst="rect">
+            <a:avLst/>
+          </a:prstGeom>
+        </p:spPr>
+      </p:pic>
+    </p:spTree>
+    <p:extLst>
+      <p:ext uri="{BB962C8B-B14F-4D97-AF65-F5344CB8AC3E}">
+        <p14:creationId xmlns:p14="http://schemas.microsoft.com/office/powerpoint/2010/main" val="3323000788"/>
       </p:ext>
     </p:extLst>
   </p:cSld>

--- a/design/클래스다이어그램.pptx
+++ b/design/클래스다이어그램.pptx
@@ -5,35 +5,36 @@
     <p:sldMasterId id="2147483655" r:id="rId1"/>
   </p:sldMasterIdLst>
   <p:notesMasterIdLst>
-    <p:notesMasterId r:id="rId25"/>
+    <p:notesMasterId r:id="rId26"/>
   </p:notesMasterIdLst>
   <p:handoutMasterIdLst>
-    <p:handoutMasterId r:id="rId26"/>
+    <p:handoutMasterId r:id="rId27"/>
   </p:handoutMasterIdLst>
   <p:sldIdLst>
     <p:sldId id="256" r:id="rId2"/>
     <p:sldId id="257" r:id="rId3"/>
     <p:sldId id="258" r:id="rId4"/>
-    <p:sldId id="260" r:id="rId5"/>
-    <p:sldId id="261" r:id="rId6"/>
-    <p:sldId id="262" r:id="rId7"/>
-    <p:sldId id="263" r:id="rId8"/>
-    <p:sldId id="264" r:id="rId9"/>
-    <p:sldId id="265" r:id="rId10"/>
-    <p:sldId id="266" r:id="rId11"/>
-    <p:sldId id="267" r:id="rId12"/>
-    <p:sldId id="268" r:id="rId13"/>
-    <p:sldId id="269" r:id="rId14"/>
-    <p:sldId id="270" r:id="rId15"/>
-    <p:sldId id="271" r:id="rId16"/>
-    <p:sldId id="272" r:id="rId17"/>
-    <p:sldId id="273" r:id="rId18"/>
-    <p:sldId id="274" r:id="rId19"/>
-    <p:sldId id="275" r:id="rId20"/>
-    <p:sldId id="276" r:id="rId21"/>
-    <p:sldId id="277" r:id="rId22"/>
-    <p:sldId id="278" r:id="rId23"/>
-    <p:sldId id="279" r:id="rId24"/>
+    <p:sldId id="280" r:id="rId5"/>
+    <p:sldId id="260" r:id="rId6"/>
+    <p:sldId id="261" r:id="rId7"/>
+    <p:sldId id="262" r:id="rId8"/>
+    <p:sldId id="263" r:id="rId9"/>
+    <p:sldId id="264" r:id="rId10"/>
+    <p:sldId id="265" r:id="rId11"/>
+    <p:sldId id="266" r:id="rId12"/>
+    <p:sldId id="267" r:id="rId13"/>
+    <p:sldId id="268" r:id="rId14"/>
+    <p:sldId id="269" r:id="rId15"/>
+    <p:sldId id="270" r:id="rId16"/>
+    <p:sldId id="271" r:id="rId17"/>
+    <p:sldId id="272" r:id="rId18"/>
+    <p:sldId id="273" r:id="rId19"/>
+    <p:sldId id="274" r:id="rId20"/>
+    <p:sldId id="275" r:id="rId21"/>
+    <p:sldId id="276" r:id="rId22"/>
+    <p:sldId id="277" r:id="rId23"/>
+    <p:sldId id="278" r:id="rId24"/>
+    <p:sldId id="279" r:id="rId25"/>
   </p:sldIdLst>
   <p:sldSz cx="9144000" cy="6858000" type="screen4x3"/>
   <p:notesSz cx="6797675" cy="9928225"/>
@@ -3183,7 +3184,7 @@
         <p:spPr>
           <a:xfrm>
             <a:off x="228600" y="904875"/>
-            <a:ext cx="1853392" cy="307777"/>
+            <a:ext cx="4001416" cy="307777"/>
           </a:xfrm>
           <a:prstGeom prst="rect">
             <a:avLst/>
@@ -3206,7 +3207,15 @@
             </a:r>
             <a:r>
               <a:rPr lang="en-US" altLang="ko-KR" b="1" dirty="0"/>
-              <a:t>&gt;</a:t>
+              <a:t> - UC007 </a:t>
+            </a:r>
+            <a:r>
+              <a:rPr lang="ko-KR" altLang="en-US" b="1" dirty="0"/>
+              <a:t>로그아웃을 한다</a:t>
+            </a:r>
+            <a:r>
+              <a:rPr lang="en-US" altLang="ko-KR" b="1" dirty="0"/>
+              <a:t>.&gt;</a:t>
             </a:r>
             <a:endParaRPr lang="ko-KR" altLang="en-US" b="1" dirty="0"/>
           </a:p>
@@ -3214,7 +3223,13 @@
       </p:sp>
       <p:pic>
         <p:nvPicPr>
-          <p:cNvPr id="6" name="그림 5"/>
+          <p:cNvPr id="7" name="그림 6">
+            <a:extLst>
+              <a:ext uri="{FF2B5EF4-FFF2-40B4-BE49-F238E27FC236}">
+                <a16:creationId xmlns:a16="http://schemas.microsoft.com/office/drawing/2014/main" id="{564E648A-0FE6-2562-5C02-5DEC0CDD97F4}"/>
+              </a:ext>
+            </a:extLst>
+          </p:cNvPr>
           <p:cNvPicPr>
             <a:picLocks noChangeAspect="1"/>
           </p:cNvPicPr>
@@ -3234,8 +3249,8 @@
         </p:blipFill>
         <p:spPr>
           <a:xfrm>
-            <a:off x="222403" y="1212653"/>
-            <a:ext cx="8785583" cy="4540448"/>
+            <a:off x="243169" y="1258472"/>
+            <a:ext cx="6677807" cy="3751185"/>
           </a:xfrm>
           <a:prstGeom prst="rect">
             <a:avLst/>
@@ -3245,7 +3260,7 @@
     </p:spTree>
     <p:extLst>
       <p:ext uri="{BB962C8B-B14F-4D97-AF65-F5344CB8AC3E}">
-        <p14:creationId xmlns:p14="http://schemas.microsoft.com/office/powerpoint/2010/main" val="3387379966"/>
+        <p14:creationId xmlns:p14="http://schemas.microsoft.com/office/powerpoint/2010/main" val="771952287"/>
       </p:ext>
     </p:extLst>
   </p:cSld>
@@ -3341,7 +3356,7 @@
         <p:spPr>
           <a:xfrm>
             <a:off x="228600" y="904875"/>
-            <a:ext cx="1853392" cy="307777"/>
+            <a:ext cx="4001416" cy="307777"/>
           </a:xfrm>
           <a:prstGeom prst="rect">
             <a:avLst/>
@@ -3364,7 +3379,15 @@
             </a:r>
             <a:r>
               <a:rPr lang="en-US" altLang="ko-KR" b="1" dirty="0"/>
-              <a:t>&gt;</a:t>
+              <a:t> - UC009 </a:t>
+            </a:r>
+            <a:r>
+              <a:rPr lang="ko-KR" altLang="en-US" b="1" dirty="0"/>
+              <a:t>의류를 등록한다</a:t>
+            </a:r>
+            <a:r>
+              <a:rPr lang="en-US" altLang="ko-KR" b="1" dirty="0"/>
+              <a:t>.&gt;</a:t>
             </a:r>
             <a:endParaRPr lang="ko-KR" altLang="en-US" b="1" dirty="0"/>
           </a:p>
@@ -3372,14 +3395,20 @@
       </p:sp>
       <p:pic>
         <p:nvPicPr>
-          <p:cNvPr id="4" name="그림 3"/>
+          <p:cNvPr id="7" name="그림 6">
+            <a:extLst>
+              <a:ext uri="{FF2B5EF4-FFF2-40B4-BE49-F238E27FC236}">
+                <a16:creationId xmlns:a16="http://schemas.microsoft.com/office/drawing/2014/main" id="{EFB5AA39-C4A3-9F02-4BA7-86439B4488BB}"/>
+              </a:ext>
+            </a:extLst>
+          </p:cNvPr>
           <p:cNvPicPr>
             <a:picLocks noChangeAspect="1"/>
           </p:cNvPicPr>
           <p:nvPr/>
         </p:nvPicPr>
         <p:blipFill>
-          <a:blip r:embed="rId2">
+          <a:blip r:embed="rId2" cstate="print">
             <a:extLst>
               <a:ext uri="{28A0092B-C50C-407E-A947-70E740481C1C}">
                 <a14:useLocalDpi xmlns:a14="http://schemas.microsoft.com/office/drawing/2010/main" val="0"/>
@@ -3392,8 +3421,8 @@
         </p:blipFill>
         <p:spPr>
           <a:xfrm>
-            <a:off x="228600" y="1212652"/>
-            <a:ext cx="8076137" cy="4159100"/>
+            <a:off x="283492" y="1262804"/>
+            <a:ext cx="8244282" cy="5204490"/>
           </a:xfrm>
           <a:prstGeom prst="rect">
             <a:avLst/>
@@ -3403,7 +3432,7 @@
     </p:spTree>
     <p:extLst>
       <p:ext uri="{BB962C8B-B14F-4D97-AF65-F5344CB8AC3E}">
-        <p14:creationId xmlns:p14="http://schemas.microsoft.com/office/powerpoint/2010/main" val="1487454513"/>
+        <p14:creationId xmlns:p14="http://schemas.microsoft.com/office/powerpoint/2010/main" val="3387379966"/>
       </p:ext>
     </p:extLst>
   </p:cSld>
@@ -3499,7 +3528,7 @@
         <p:spPr>
           <a:xfrm>
             <a:off x="228600" y="904875"/>
-            <a:ext cx="1853392" cy="307777"/>
+            <a:ext cx="4410182" cy="307777"/>
           </a:xfrm>
           <a:prstGeom prst="rect">
             <a:avLst/>
@@ -3522,7 +3551,15 @@
             </a:r>
             <a:r>
               <a:rPr lang="en-US" altLang="ko-KR" b="1" dirty="0"/>
-              <a:t>&gt;</a:t>
+              <a:t> - UC010 </a:t>
+            </a:r>
+            <a:r>
+              <a:rPr lang="ko-KR" altLang="en-US" b="1" dirty="0"/>
+              <a:t>의류 정보를 수정한다</a:t>
+            </a:r>
+            <a:r>
+              <a:rPr lang="en-US" altLang="ko-KR" b="1" dirty="0"/>
+              <a:t>.&gt;</a:t>
             </a:r>
             <a:endParaRPr lang="ko-KR" altLang="en-US" b="1" dirty="0"/>
           </a:p>
@@ -3530,14 +3567,20 @@
       </p:sp>
       <p:pic>
         <p:nvPicPr>
-          <p:cNvPr id="6" name="그림 5"/>
+          <p:cNvPr id="7" name="그림 6">
+            <a:extLst>
+              <a:ext uri="{FF2B5EF4-FFF2-40B4-BE49-F238E27FC236}">
+                <a16:creationId xmlns:a16="http://schemas.microsoft.com/office/drawing/2014/main" id="{7429BE61-DB78-24B3-F764-4DAFE01ED2C3}"/>
+              </a:ext>
+            </a:extLst>
+          </p:cNvPr>
           <p:cNvPicPr>
             <a:picLocks noChangeAspect="1"/>
           </p:cNvPicPr>
           <p:nvPr/>
         </p:nvPicPr>
         <p:blipFill>
-          <a:blip r:embed="rId2">
+          <a:blip r:embed="rId2" cstate="print">
             <a:extLst>
               <a:ext uri="{28A0092B-C50C-407E-A947-70E740481C1C}">
                 <a14:useLocalDpi xmlns:a14="http://schemas.microsoft.com/office/drawing/2010/main" val="0"/>
@@ -3550,8 +3593,8 @@
         </p:blipFill>
         <p:spPr>
           <a:xfrm>
-            <a:off x="228600" y="1212652"/>
-            <a:ext cx="7533326" cy="3205515"/>
+            <a:off x="139148" y="1212652"/>
+            <a:ext cx="9317708" cy="5938399"/>
           </a:xfrm>
           <a:prstGeom prst="rect">
             <a:avLst/>
@@ -3561,7 +3604,7 @@
     </p:spTree>
     <p:extLst>
       <p:ext uri="{BB962C8B-B14F-4D97-AF65-F5344CB8AC3E}">
-        <p14:creationId xmlns:p14="http://schemas.microsoft.com/office/powerpoint/2010/main" val="1969151006"/>
+        <p14:creationId xmlns:p14="http://schemas.microsoft.com/office/powerpoint/2010/main" val="1487454513"/>
       </p:ext>
     </p:extLst>
   </p:cSld>
@@ -3657,7 +3700,7 @@
         <p:spPr>
           <a:xfrm>
             <a:off x="228600" y="904875"/>
-            <a:ext cx="1853392" cy="307777"/>
+            <a:ext cx="4759380" cy="307777"/>
           </a:xfrm>
           <a:prstGeom prst="rect">
             <a:avLst/>
@@ -3680,7 +3723,15 @@
             </a:r>
             <a:r>
               <a:rPr lang="en-US" altLang="ko-KR" b="1" dirty="0"/>
-              <a:t>&gt;</a:t>
+              <a:t> - UC011 </a:t>
+            </a:r>
+            <a:r>
+              <a:rPr lang="ko-KR" altLang="en-US" b="1" dirty="0"/>
+              <a:t>의류를 목록에서 제거한다</a:t>
+            </a:r>
+            <a:r>
+              <a:rPr lang="en-US" altLang="ko-KR" b="1" dirty="0"/>
+              <a:t>.&gt;</a:t>
             </a:r>
             <a:endParaRPr lang="ko-KR" altLang="en-US" b="1" dirty="0"/>
           </a:p>
@@ -3688,14 +3739,20 @@
       </p:sp>
       <p:pic>
         <p:nvPicPr>
-          <p:cNvPr id="4" name="그림 3"/>
+          <p:cNvPr id="7" name="그림 6">
+            <a:extLst>
+              <a:ext uri="{FF2B5EF4-FFF2-40B4-BE49-F238E27FC236}">
+                <a16:creationId xmlns:a16="http://schemas.microsoft.com/office/drawing/2014/main" id="{E6AF354D-2AF1-A0D8-0F38-320FC8C9799A}"/>
+              </a:ext>
+            </a:extLst>
+          </p:cNvPr>
           <p:cNvPicPr>
             <a:picLocks noChangeAspect="1"/>
           </p:cNvPicPr>
           <p:nvPr/>
         </p:nvPicPr>
         <p:blipFill>
-          <a:blip r:embed="rId2">
+          <a:blip r:embed="rId2" cstate="print">
             <a:extLst>
               <a:ext uri="{28A0092B-C50C-407E-A947-70E740481C1C}">
                 <a14:useLocalDpi xmlns:a14="http://schemas.microsoft.com/office/drawing/2010/main" val="0"/>
@@ -3708,8 +3765,8 @@
         </p:blipFill>
         <p:spPr>
           <a:xfrm>
-            <a:off x="228600" y="1212652"/>
-            <a:ext cx="8215507" cy="3586949"/>
+            <a:off x="283492" y="1212652"/>
+            <a:ext cx="7758833" cy="5681183"/>
           </a:xfrm>
           <a:prstGeom prst="rect">
             <a:avLst/>
@@ -3719,7 +3776,7 @@
     </p:spTree>
     <p:extLst>
       <p:ext uri="{BB962C8B-B14F-4D97-AF65-F5344CB8AC3E}">
-        <p14:creationId xmlns:p14="http://schemas.microsoft.com/office/powerpoint/2010/main" val="44021911"/>
+        <p14:creationId xmlns:p14="http://schemas.microsoft.com/office/powerpoint/2010/main" val="1969151006"/>
       </p:ext>
     </p:extLst>
   </p:cSld>
@@ -3815,7 +3872,7 @@
         <p:spPr>
           <a:xfrm>
             <a:off x="228600" y="904875"/>
-            <a:ext cx="1853392" cy="307777"/>
+            <a:ext cx="4410182" cy="307777"/>
           </a:xfrm>
           <a:prstGeom prst="rect">
             <a:avLst/>
@@ -3838,7 +3895,15 @@
             </a:r>
             <a:r>
               <a:rPr lang="en-US" altLang="ko-KR" b="1" dirty="0"/>
-              <a:t>&gt;</a:t>
+              <a:t> - UC012 </a:t>
+            </a:r>
+            <a:r>
+              <a:rPr lang="ko-KR" altLang="en-US" b="1" dirty="0"/>
+              <a:t>의류를 영구 삭제한다</a:t>
+            </a:r>
+            <a:r>
+              <a:rPr lang="en-US" altLang="ko-KR" b="1" dirty="0"/>
+              <a:t>.&gt;</a:t>
             </a:r>
             <a:endParaRPr lang="ko-KR" altLang="en-US" b="1" dirty="0"/>
           </a:p>
@@ -3846,7 +3911,13 @@
       </p:sp>
       <p:pic>
         <p:nvPicPr>
-          <p:cNvPr id="6" name="그림 5"/>
+          <p:cNvPr id="7" name="그림 6">
+            <a:extLst>
+              <a:ext uri="{FF2B5EF4-FFF2-40B4-BE49-F238E27FC236}">
+                <a16:creationId xmlns:a16="http://schemas.microsoft.com/office/drawing/2014/main" id="{D4F60BCC-2638-20BE-DA84-7124CEE5BBB4}"/>
+              </a:ext>
+            </a:extLst>
+          </p:cNvPr>
           <p:cNvPicPr>
             <a:picLocks noChangeAspect="1"/>
           </p:cNvPicPr>
@@ -3866,8 +3937,8 @@
         </p:blipFill>
         <p:spPr>
           <a:xfrm>
-            <a:off x="228600" y="1212652"/>
-            <a:ext cx="8112812" cy="4342482"/>
+            <a:off x="228600" y="1524472"/>
+            <a:ext cx="8766313" cy="3774818"/>
           </a:xfrm>
           <a:prstGeom prst="rect">
             <a:avLst/>
@@ -3877,7 +3948,7 @@
     </p:spTree>
     <p:extLst>
       <p:ext uri="{BB962C8B-B14F-4D97-AF65-F5344CB8AC3E}">
-        <p14:creationId xmlns:p14="http://schemas.microsoft.com/office/powerpoint/2010/main" val="1874040105"/>
+        <p14:creationId xmlns:p14="http://schemas.microsoft.com/office/powerpoint/2010/main" val="44021911"/>
       </p:ext>
     </p:extLst>
   </p:cSld>
@@ -3973,7 +4044,7 @@
         <p:spPr>
           <a:xfrm>
             <a:off x="228600" y="904875"/>
-            <a:ext cx="1853392" cy="307777"/>
+            <a:ext cx="4001416" cy="307777"/>
           </a:xfrm>
           <a:prstGeom prst="rect">
             <a:avLst/>
@@ -3992,11 +4063,19 @@
             </a:r>
             <a:r>
               <a:rPr lang="ko-KR" altLang="en-US" b="1" dirty="0"/>
-              <a:t>시퀀스 다이어그램</a:t>
+              <a:t>시퀀스 다이어그램 </a:t>
             </a:r>
             <a:r>
               <a:rPr lang="en-US" altLang="ko-KR" b="1" dirty="0"/>
-              <a:t>&gt;</a:t>
+              <a:t>- UC013 </a:t>
+            </a:r>
+            <a:r>
+              <a:rPr lang="ko-KR" altLang="en-US" b="1" dirty="0"/>
+              <a:t>의류를 복원한다</a:t>
+            </a:r>
+            <a:r>
+              <a:rPr lang="en-US" altLang="ko-KR" b="1" dirty="0"/>
+              <a:t>.&gt;</a:t>
             </a:r>
             <a:endParaRPr lang="ko-KR" altLang="en-US" b="1" dirty="0"/>
           </a:p>
@@ -4004,7 +4083,13 @@
       </p:sp>
       <p:pic>
         <p:nvPicPr>
-          <p:cNvPr id="4" name="그림 3"/>
+          <p:cNvPr id="7" name="그림 6">
+            <a:extLst>
+              <a:ext uri="{FF2B5EF4-FFF2-40B4-BE49-F238E27FC236}">
+                <a16:creationId xmlns:a16="http://schemas.microsoft.com/office/drawing/2014/main" id="{D3669587-93CF-FE81-23C1-99028748248B}"/>
+              </a:ext>
+            </a:extLst>
+          </p:cNvPr>
           <p:cNvPicPr>
             <a:picLocks noChangeAspect="1"/>
           </p:cNvPicPr>
@@ -4024,8 +4109,8 @@
         </p:blipFill>
         <p:spPr>
           <a:xfrm>
-            <a:off x="228600" y="1212652"/>
-            <a:ext cx="8420894" cy="3146832"/>
+            <a:off x="228600" y="1228449"/>
+            <a:ext cx="8726557" cy="4624600"/>
           </a:xfrm>
           <a:prstGeom prst="rect">
             <a:avLst/>
@@ -4035,7 +4120,7 @@
     </p:spTree>
     <p:extLst>
       <p:ext uri="{BB962C8B-B14F-4D97-AF65-F5344CB8AC3E}">
-        <p14:creationId xmlns:p14="http://schemas.microsoft.com/office/powerpoint/2010/main" val="997355433"/>
+        <p14:creationId xmlns:p14="http://schemas.microsoft.com/office/powerpoint/2010/main" val="1874040105"/>
       </p:ext>
     </p:extLst>
   </p:cSld>
@@ -4131,7 +4216,7 @@
         <p:spPr>
           <a:xfrm>
             <a:off x="228600" y="904875"/>
-            <a:ext cx="1853392" cy="307777"/>
+            <a:ext cx="4769254" cy="307777"/>
           </a:xfrm>
           <a:prstGeom prst="rect">
             <a:avLst/>
@@ -4154,7 +4239,15 @@
             </a:r>
             <a:r>
               <a:rPr lang="en-US" altLang="ko-KR" b="1" dirty="0"/>
-              <a:t>&gt;</a:t>
+              <a:t> - UC014 </a:t>
+            </a:r>
+            <a:r>
+              <a:rPr lang="ko-KR" altLang="en-US" b="1" dirty="0"/>
+              <a:t>의류 상세정보를 조회한다</a:t>
+            </a:r>
+            <a:r>
+              <a:rPr lang="en-US" altLang="ko-KR" b="1" dirty="0"/>
+              <a:t>.&gt;</a:t>
             </a:r>
             <a:endParaRPr lang="ko-KR" altLang="en-US" b="1" dirty="0"/>
           </a:p>
@@ -4162,14 +4255,20 @@
       </p:sp>
       <p:pic>
         <p:nvPicPr>
-          <p:cNvPr id="6" name="그림 5"/>
+          <p:cNvPr id="7" name="그림 6">
+            <a:extLst>
+              <a:ext uri="{FF2B5EF4-FFF2-40B4-BE49-F238E27FC236}">
+                <a16:creationId xmlns:a16="http://schemas.microsoft.com/office/drawing/2014/main" id="{B396BC7B-0A35-E036-2F03-CFE3CC891B83}"/>
+              </a:ext>
+            </a:extLst>
+          </p:cNvPr>
           <p:cNvPicPr>
             <a:picLocks noChangeAspect="1"/>
           </p:cNvPicPr>
           <p:nvPr/>
         </p:nvPicPr>
         <p:blipFill>
-          <a:blip r:embed="rId2">
+          <a:blip r:embed="rId2" cstate="print">
             <a:extLst>
               <a:ext uri="{28A0092B-C50C-407E-A947-70E740481C1C}">
                 <a14:useLocalDpi xmlns:a14="http://schemas.microsoft.com/office/drawing/2010/main" val="0"/>
@@ -4182,8 +4281,8 @@
         </p:blipFill>
         <p:spPr>
           <a:xfrm>
-            <a:off x="228601" y="1212652"/>
-            <a:ext cx="8774124" cy="3729856"/>
+            <a:off x="437321" y="1212652"/>
+            <a:ext cx="7692888" cy="6402281"/>
           </a:xfrm>
           <a:prstGeom prst="rect">
             <a:avLst/>
@@ -4193,7 +4292,7 @@
     </p:spTree>
     <p:extLst>
       <p:ext uri="{BB962C8B-B14F-4D97-AF65-F5344CB8AC3E}">
-        <p14:creationId xmlns:p14="http://schemas.microsoft.com/office/powerpoint/2010/main" val="583401252"/>
+        <p14:creationId xmlns:p14="http://schemas.microsoft.com/office/powerpoint/2010/main" val="997355433"/>
       </p:ext>
     </p:extLst>
   </p:cSld>
@@ -4289,7 +4388,7 @@
         <p:spPr>
           <a:xfrm>
             <a:off x="228600" y="904875"/>
-            <a:ext cx="1853392" cy="307777"/>
+            <a:ext cx="4001416" cy="307777"/>
           </a:xfrm>
           <a:prstGeom prst="rect">
             <a:avLst/>
@@ -4312,7 +4411,15 @@
             </a:r>
             <a:r>
               <a:rPr lang="en-US" altLang="ko-KR" b="1" dirty="0"/>
-              <a:t>&gt;</a:t>
+              <a:t> - UC015 </a:t>
+            </a:r>
+            <a:r>
+              <a:rPr lang="ko-KR" altLang="en-US" b="1" dirty="0"/>
+              <a:t>의류를 검색한다</a:t>
+            </a:r>
+            <a:r>
+              <a:rPr lang="en-US" altLang="ko-KR" b="1" dirty="0"/>
+              <a:t>.&gt;</a:t>
             </a:r>
             <a:endParaRPr lang="ko-KR" altLang="en-US" b="1" dirty="0"/>
           </a:p>
@@ -4320,7 +4427,7 @@
       </p:sp>
       <p:pic>
         <p:nvPicPr>
-          <p:cNvPr id="4" name="그림 3"/>
+          <p:cNvPr id="6" name="그림 5"/>
           <p:cNvPicPr>
             <a:picLocks noChangeAspect="1"/>
           </p:cNvPicPr>
@@ -4340,8 +4447,8 @@
         </p:blipFill>
         <p:spPr>
           <a:xfrm>
-            <a:off x="228600" y="1212652"/>
-            <a:ext cx="8795177" cy="2292548"/>
+            <a:off x="228601" y="1212652"/>
+            <a:ext cx="8774124" cy="3729856"/>
           </a:xfrm>
           <a:prstGeom prst="rect">
             <a:avLst/>
@@ -4351,7 +4458,7 @@
     </p:spTree>
     <p:extLst>
       <p:ext uri="{BB962C8B-B14F-4D97-AF65-F5344CB8AC3E}">
-        <p14:creationId xmlns:p14="http://schemas.microsoft.com/office/powerpoint/2010/main" val="3593055339"/>
+        <p14:creationId xmlns:p14="http://schemas.microsoft.com/office/powerpoint/2010/main" val="583401252"/>
       </p:ext>
     </p:extLst>
   </p:cSld>
@@ -4447,7 +4554,7 @@
         <p:spPr>
           <a:xfrm>
             <a:off x="228600" y="904875"/>
-            <a:ext cx="1853392" cy="307777"/>
+            <a:ext cx="4589718" cy="307777"/>
           </a:xfrm>
           <a:prstGeom prst="rect">
             <a:avLst/>
@@ -4470,7 +4577,15 @@
             </a:r>
             <a:r>
               <a:rPr lang="en-US" altLang="ko-KR" b="1" dirty="0"/>
-              <a:t>&gt;</a:t>
+              <a:t> - UC016 </a:t>
+            </a:r>
+            <a:r>
+              <a:rPr lang="ko-KR" altLang="en-US" b="1" dirty="0"/>
+              <a:t>개인 카테고리 생성한다</a:t>
+            </a:r>
+            <a:r>
+              <a:rPr lang="en-US" altLang="ko-KR" b="1" dirty="0"/>
+              <a:t>.&gt;</a:t>
             </a:r>
             <a:endParaRPr lang="ko-KR" altLang="en-US" b="1" dirty="0"/>
           </a:p>
@@ -4478,7 +4593,13 @@
       </p:sp>
       <p:pic>
         <p:nvPicPr>
-          <p:cNvPr id="6" name="그림 5"/>
+          <p:cNvPr id="7" name="그림 6">
+            <a:extLst>
+              <a:ext uri="{FF2B5EF4-FFF2-40B4-BE49-F238E27FC236}">
+                <a16:creationId xmlns:a16="http://schemas.microsoft.com/office/drawing/2014/main" id="{1931BF44-07D1-09D8-B3AB-5876EF96559D}"/>
+              </a:ext>
+            </a:extLst>
+          </p:cNvPr>
           <p:cNvPicPr>
             <a:picLocks noChangeAspect="1"/>
           </p:cNvPicPr>
@@ -4498,8 +4619,8 @@
         </p:blipFill>
         <p:spPr>
           <a:xfrm>
-            <a:off x="228600" y="1212652"/>
-            <a:ext cx="8804686" cy="2559248"/>
+            <a:off x="228600" y="1514663"/>
+            <a:ext cx="8631908" cy="2668175"/>
           </a:xfrm>
           <a:prstGeom prst="rect">
             <a:avLst/>
@@ -4509,7 +4630,7 @@
     </p:spTree>
     <p:extLst>
       <p:ext uri="{BB962C8B-B14F-4D97-AF65-F5344CB8AC3E}">
-        <p14:creationId xmlns:p14="http://schemas.microsoft.com/office/powerpoint/2010/main" val="326037121"/>
+        <p14:creationId xmlns:p14="http://schemas.microsoft.com/office/powerpoint/2010/main" val="3593055339"/>
       </p:ext>
     </p:extLst>
   </p:cSld>
@@ -4605,7 +4726,7 @@
         <p:spPr>
           <a:xfrm>
             <a:off x="228600" y="904875"/>
-            <a:ext cx="1853392" cy="307777"/>
+            <a:ext cx="4769254" cy="307777"/>
           </a:xfrm>
           <a:prstGeom prst="rect">
             <a:avLst/>
@@ -4628,7 +4749,15 @@
             </a:r>
             <a:r>
               <a:rPr lang="en-US" altLang="ko-KR" b="1" dirty="0"/>
-              <a:t>&gt;</a:t>
+              <a:t> - UC017 </a:t>
+            </a:r>
+            <a:r>
+              <a:rPr lang="ko-KR" altLang="en-US" b="1" dirty="0"/>
+              <a:t>개인 카테고리를 수정한다</a:t>
+            </a:r>
+            <a:r>
+              <a:rPr lang="en-US" altLang="ko-KR" b="1" dirty="0"/>
+              <a:t>.&gt;</a:t>
             </a:r>
             <a:endParaRPr lang="ko-KR" altLang="en-US" b="1" dirty="0"/>
           </a:p>
@@ -4636,7 +4765,13 @@
       </p:sp>
       <p:pic>
         <p:nvPicPr>
-          <p:cNvPr id="4" name="그림 3"/>
+          <p:cNvPr id="7" name="그림 6">
+            <a:extLst>
+              <a:ext uri="{FF2B5EF4-FFF2-40B4-BE49-F238E27FC236}">
+                <a16:creationId xmlns:a16="http://schemas.microsoft.com/office/drawing/2014/main" id="{1A544F84-3E25-C774-2088-C8241FF6ADA3}"/>
+              </a:ext>
+            </a:extLst>
+          </p:cNvPr>
           <p:cNvPicPr>
             <a:picLocks noChangeAspect="1"/>
           </p:cNvPicPr>
@@ -4656,8 +4791,8 @@
         </p:blipFill>
         <p:spPr>
           <a:xfrm>
-            <a:off x="228600" y="1212653"/>
-            <a:ext cx="8818491" cy="2197298"/>
+            <a:off x="228600" y="1349011"/>
+            <a:ext cx="8726557" cy="2983586"/>
           </a:xfrm>
           <a:prstGeom prst="rect">
             <a:avLst/>
@@ -4667,7 +4802,7 @@
     </p:spTree>
     <p:extLst>
       <p:ext uri="{BB962C8B-B14F-4D97-AF65-F5344CB8AC3E}">
-        <p14:creationId xmlns:p14="http://schemas.microsoft.com/office/powerpoint/2010/main" val="1644086600"/>
+        <p14:creationId xmlns:p14="http://schemas.microsoft.com/office/powerpoint/2010/main" val="326037121"/>
       </p:ext>
     </p:extLst>
   </p:cSld>
@@ -4750,14 +4885,14 @@
             <p:ph idx="1"/>
             <p:extLst>
               <p:ext uri="{D42A27DB-BD31-4B8C-83A1-F6EECF244321}">
-                <p14:modId xmlns:p14="http://schemas.microsoft.com/office/powerpoint/2010/main" val="3517448978"/>
+                <p14:modId xmlns:p14="http://schemas.microsoft.com/office/powerpoint/2010/main" val="3615727919"/>
               </p:ext>
             </p:extLst>
           </p:nvPr>
         </p:nvGraphicFramePr>
         <p:xfrm>
           <a:off x="280988" y="1025525"/>
-          <a:ext cx="8582024" cy="3053080"/>
+          <a:ext cx="8582024" cy="3139440"/>
         </p:xfrm>
         <a:graphic>
           <a:graphicData uri="http://schemas.openxmlformats.org/drawingml/2006/table">
@@ -5069,6 +5204,16 @@
                     <a:lstStyle/>
                     <a:p>
                       <a:pPr algn="ctr" latinLnBrk="1"/>
+                      <a:r>
+                        <a:rPr lang="en-US" altLang="ko-KR" sz="1200" b="0" dirty="0">
+                          <a:solidFill>
+                            <a:schemeClr val="tx1"/>
+                          </a:solidFill>
+                          <a:latin typeface="맑은 고딕" pitchFamily="50" charset="-127"/>
+                          <a:ea typeface="맑은 고딕" pitchFamily="50" charset="-127"/>
+                        </a:rPr>
+                        <a:t>2022-06-21</a:t>
+                      </a:r>
                       <a:endParaRPr lang="ko-KR" altLang="en-US" sz="1200" b="0" dirty="0">
                         <a:solidFill>
                           <a:schemeClr val="tx1"/>
@@ -5090,6 +5235,16 @@
                     <a:lstStyle/>
                     <a:p>
                       <a:pPr algn="ctr" latinLnBrk="1"/>
+                      <a:r>
+                        <a:rPr lang="en-US" altLang="ko-KR" sz="1200" b="0" dirty="0">
+                          <a:solidFill>
+                            <a:schemeClr val="tx1"/>
+                          </a:solidFill>
+                          <a:latin typeface="맑은 고딕" pitchFamily="50" charset="-127"/>
+                          <a:ea typeface="맑은 고딕" pitchFamily="50" charset="-127"/>
+                        </a:rPr>
+                        <a:t>1.0.1</a:t>
+                      </a:r>
                       <a:endParaRPr lang="ko-KR" altLang="en-US" sz="1200" b="0" dirty="0">
                         <a:solidFill>
                           <a:schemeClr val="tx1"/>
@@ -5110,8 +5265,38 @@
                     <a:bodyPr/>
                     <a:lstStyle/>
                     <a:p>
-                      <a:pPr latinLnBrk="1"/>
-                      <a:endParaRPr lang="ko-KR" altLang="en-US" sz="1200" b="0">
+                      <a:pPr algn="ctr" latinLnBrk="1"/>
+                      <a:r>
+                        <a:rPr lang="ko-KR" altLang="en-US" sz="1200" b="0" dirty="0">
+                          <a:solidFill>
+                            <a:schemeClr val="tx1"/>
+                          </a:solidFill>
+                          <a:latin typeface="맑은 고딕" pitchFamily="50" charset="-127"/>
+                          <a:ea typeface="맑은 고딕" pitchFamily="50" charset="-127"/>
+                        </a:rPr>
+                        <a:t>클래스 다이어그램</a:t>
+                      </a:r>
+                      <a:endParaRPr lang="en-US" altLang="ko-KR" sz="1200" b="0" dirty="0">
+                        <a:solidFill>
+                          <a:schemeClr val="tx1"/>
+                        </a:solidFill>
+                        <a:latin typeface="맑은 고딕" pitchFamily="50" charset="-127"/>
+                        <a:ea typeface="맑은 고딕" pitchFamily="50" charset="-127"/>
+                      </a:endParaRPr>
+                    </a:p>
+                    <a:p>
+                      <a:pPr algn="ctr" latinLnBrk="1"/>
+                      <a:r>
+                        <a:rPr lang="ko-KR" altLang="en-US" sz="1200" b="0" dirty="0">
+                          <a:solidFill>
+                            <a:schemeClr val="tx1"/>
+                          </a:solidFill>
+                          <a:latin typeface="맑은 고딕" pitchFamily="50" charset="-127"/>
+                          <a:ea typeface="맑은 고딕" pitchFamily="50" charset="-127"/>
+                        </a:rPr>
+                        <a:t>시퀀스 다이어그램 작성</a:t>
+                      </a:r>
+                      <a:endParaRPr lang="en-US" altLang="ko-KR" sz="1200" b="0" dirty="0">
                         <a:solidFill>
                           <a:schemeClr val="tx1"/>
                         </a:solidFill>
@@ -5132,13 +5317,56 @@
                     <a:lstStyle/>
                     <a:p>
                       <a:pPr algn="ctr" latinLnBrk="1"/>
-                      <a:endParaRPr lang="ko-KR" altLang="en-US" sz="1200" b="0" dirty="0">
-                        <a:solidFill>
-                          <a:schemeClr val="tx1"/>
-                        </a:solidFill>
-                        <a:latin typeface="맑은 고딕" pitchFamily="50" charset="-127"/>
-                        <a:ea typeface="맑은 고딕" pitchFamily="50" charset="-127"/>
-                      </a:endParaRPr>
+                      <a:r>
+                        <a:rPr lang="ko-KR" altLang="en-US" sz="1200" b="0" dirty="0">
+                          <a:solidFill>
+                            <a:schemeClr val="tx1"/>
+                          </a:solidFill>
+                          <a:latin typeface="맑은 고딕" pitchFamily="50" charset="-127"/>
+                          <a:ea typeface="맑은 고딕" pitchFamily="50" charset="-127"/>
+                        </a:rPr>
+                        <a:t>이우진</a:t>
+                      </a:r>
+                      <a:r>
+                        <a:rPr lang="en-US" altLang="ko-KR" sz="1200" b="0" dirty="0">
+                          <a:solidFill>
+                            <a:schemeClr val="tx1"/>
+                          </a:solidFill>
+                          <a:latin typeface="맑은 고딕" pitchFamily="50" charset="-127"/>
+                          <a:ea typeface="맑은 고딕" pitchFamily="50" charset="-127"/>
+                        </a:rPr>
+                        <a:t>, </a:t>
+                      </a:r>
+                      <a:r>
+                        <a:rPr lang="ko-KR" altLang="en-US" sz="1200" b="0" dirty="0">
+                          <a:solidFill>
+                            <a:schemeClr val="tx1"/>
+                          </a:solidFill>
+                          <a:latin typeface="맑은 고딕" pitchFamily="50" charset="-127"/>
+                          <a:ea typeface="맑은 고딕" pitchFamily="50" charset="-127"/>
+                        </a:rPr>
+                        <a:t>정현욱</a:t>
+                      </a:r>
+                      <a:r>
+                        <a:rPr lang="en-US" altLang="ko-KR" sz="1200" b="0" dirty="0">
+                          <a:solidFill>
+                            <a:schemeClr val="tx1"/>
+                          </a:solidFill>
+                          <a:latin typeface="맑은 고딕" pitchFamily="50" charset="-127"/>
+                          <a:ea typeface="맑은 고딕" pitchFamily="50" charset="-127"/>
+                        </a:rPr>
+                        <a:t>, </a:t>
+                      </a:r>
+                      <a:r>
+                        <a:rPr lang="ko-KR" altLang="en-US" sz="1200" b="0" dirty="0">
+                          <a:solidFill>
+                            <a:schemeClr val="tx1"/>
+                          </a:solidFill>
+                          <a:latin typeface="맑은 고딕" pitchFamily="50" charset="-127"/>
+                          <a:ea typeface="맑은 고딕" pitchFamily="50" charset="-127"/>
+                        </a:rPr>
+                        <a:t>조인미</a:t>
+                      </a:r>
                     </a:p>
                   </a:txBody>
                   <a:tcPr anchor="ctr">
@@ -5706,7 +5934,7 @@
         <p:spPr>
           <a:xfrm>
             <a:off x="228600" y="904875"/>
-            <a:ext cx="1853392" cy="307777"/>
+            <a:ext cx="4769254" cy="307777"/>
           </a:xfrm>
           <a:prstGeom prst="rect">
             <a:avLst/>
@@ -5729,7 +5957,15 @@
             </a:r>
             <a:r>
               <a:rPr lang="en-US" altLang="ko-KR" b="1" dirty="0"/>
-              <a:t>&gt;</a:t>
+              <a:t> - UC018 </a:t>
+            </a:r>
+            <a:r>
+              <a:rPr lang="ko-KR" altLang="en-US" b="1" dirty="0"/>
+              <a:t>개인 카테고리를 삭제한다</a:t>
+            </a:r>
+            <a:r>
+              <a:rPr lang="en-US" altLang="ko-KR" b="1" dirty="0"/>
+              <a:t>.&gt;</a:t>
             </a:r>
             <a:endParaRPr lang="ko-KR" altLang="en-US" b="1" dirty="0"/>
           </a:p>
@@ -5737,7 +5973,13 @@
       </p:sp>
       <p:pic>
         <p:nvPicPr>
-          <p:cNvPr id="6" name="그림 5"/>
+          <p:cNvPr id="7" name="그림 6">
+            <a:extLst>
+              <a:ext uri="{FF2B5EF4-FFF2-40B4-BE49-F238E27FC236}">
+                <a16:creationId xmlns:a16="http://schemas.microsoft.com/office/drawing/2014/main" id="{77D12706-89FF-285F-2D61-0D9BFFAB0FBA}"/>
+              </a:ext>
+            </a:extLst>
+          </p:cNvPr>
           <p:cNvPicPr>
             <a:picLocks noChangeAspect="1"/>
           </p:cNvPicPr>
@@ -5757,8 +5999,8 @@
         </p:blipFill>
         <p:spPr>
           <a:xfrm>
-            <a:off x="228600" y="1212652"/>
-            <a:ext cx="8788961" cy="2530673"/>
+            <a:off x="238540" y="1413717"/>
+            <a:ext cx="8716618" cy="2800970"/>
           </a:xfrm>
           <a:prstGeom prst="rect">
             <a:avLst/>
@@ -5768,7 +6010,7 @@
     </p:spTree>
     <p:extLst>
       <p:ext uri="{BB962C8B-B14F-4D97-AF65-F5344CB8AC3E}">
-        <p14:creationId xmlns:p14="http://schemas.microsoft.com/office/powerpoint/2010/main" val="759554585"/>
+        <p14:creationId xmlns:p14="http://schemas.microsoft.com/office/powerpoint/2010/main" val="1644086600"/>
       </p:ext>
     </p:extLst>
   </p:cSld>
@@ -5864,7 +6106,7 @@
         <p:spPr>
           <a:xfrm>
             <a:off x="228600" y="904875"/>
-            <a:ext cx="1853392" cy="307777"/>
+            <a:ext cx="4769254" cy="307777"/>
           </a:xfrm>
           <a:prstGeom prst="rect">
             <a:avLst/>
@@ -5883,11 +6125,19 @@
             </a:r>
             <a:r>
               <a:rPr lang="ko-KR" altLang="en-US" b="1" dirty="0"/>
-              <a:t>시퀀스 다이어그램</a:t>
+              <a:t>시퀀스 다이어그램 </a:t>
             </a:r>
             <a:r>
               <a:rPr lang="en-US" altLang="ko-KR" b="1" dirty="0"/>
-              <a:t>&gt;</a:t>
+              <a:t>- UC019 </a:t>
+            </a:r>
+            <a:r>
+              <a:rPr lang="ko-KR" altLang="en-US" b="1" dirty="0"/>
+              <a:t>개인 카테고리를 조회한다</a:t>
+            </a:r>
+            <a:r>
+              <a:rPr lang="en-US" altLang="ko-KR" b="1" dirty="0"/>
+              <a:t>.&gt;</a:t>
             </a:r>
             <a:endParaRPr lang="ko-KR" altLang="en-US" b="1" dirty="0"/>
           </a:p>
@@ -5895,7 +6145,13 @@
       </p:sp>
       <p:pic>
         <p:nvPicPr>
-          <p:cNvPr id="4" name="그림 3"/>
+          <p:cNvPr id="7" name="그림 6">
+            <a:extLst>
+              <a:ext uri="{FF2B5EF4-FFF2-40B4-BE49-F238E27FC236}">
+                <a16:creationId xmlns:a16="http://schemas.microsoft.com/office/drawing/2014/main" id="{0B512D9A-75D7-A9DF-53B6-60117A9B2C5C}"/>
+              </a:ext>
+            </a:extLst>
+          </p:cNvPr>
           <p:cNvPicPr>
             <a:picLocks noChangeAspect="1"/>
           </p:cNvPicPr>
@@ -5915,8 +6171,8 @@
         </p:blipFill>
         <p:spPr>
           <a:xfrm>
-            <a:off x="228600" y="1212652"/>
-            <a:ext cx="8799927" cy="2711648"/>
+            <a:off x="282464" y="1440066"/>
+            <a:ext cx="8626552" cy="3131933"/>
           </a:xfrm>
           <a:prstGeom prst="rect">
             <a:avLst/>
@@ -5926,7 +6182,7 @@
     </p:spTree>
     <p:extLst>
       <p:ext uri="{BB962C8B-B14F-4D97-AF65-F5344CB8AC3E}">
-        <p14:creationId xmlns:p14="http://schemas.microsoft.com/office/powerpoint/2010/main" val="1767024690"/>
+        <p14:creationId xmlns:p14="http://schemas.microsoft.com/office/powerpoint/2010/main" val="759554585"/>
       </p:ext>
     </p:extLst>
   </p:cSld>
@@ -5970,7 +6226,7 @@
           <a:p>
             <a:pPr algn="r"/>
             <a:r>
-              <a:rPr lang="ko-KR" altLang="en-US"/>
+              <a:rPr lang="ko-KR" altLang="en-US" dirty="0"/>
               <a:t>복학원정대</a:t>
             </a:r>
             <a:endParaRPr lang="en-US" altLang="ko-KR" dirty="0"/>
@@ -6022,7 +6278,7 @@
         <p:spPr>
           <a:xfrm>
             <a:off x="228600" y="904875"/>
-            <a:ext cx="1853392" cy="307777"/>
+            <a:ext cx="4769254" cy="307777"/>
           </a:xfrm>
           <a:prstGeom prst="rect">
             <a:avLst/>
@@ -6045,7 +6301,15 @@
             </a:r>
             <a:r>
               <a:rPr lang="en-US" altLang="ko-KR" b="1" dirty="0"/>
-              <a:t>&gt;</a:t>
+              <a:t> - UC020 </a:t>
+            </a:r>
+            <a:r>
+              <a:rPr lang="ko-KR" altLang="en-US" b="1" dirty="0"/>
+              <a:t>고정 카테고리를 조회한다</a:t>
+            </a:r>
+            <a:r>
+              <a:rPr lang="en-US" altLang="ko-KR" b="1" dirty="0"/>
+              <a:t>.&gt;</a:t>
             </a:r>
             <a:endParaRPr lang="ko-KR" altLang="en-US" b="1" dirty="0"/>
           </a:p>
@@ -6053,7 +6317,13 @@
       </p:sp>
       <p:pic>
         <p:nvPicPr>
-          <p:cNvPr id="6" name="그림 5"/>
+          <p:cNvPr id="7" name="그림 6">
+            <a:extLst>
+              <a:ext uri="{FF2B5EF4-FFF2-40B4-BE49-F238E27FC236}">
+                <a16:creationId xmlns:a16="http://schemas.microsoft.com/office/drawing/2014/main" id="{D1C7440B-015C-DF65-4534-FADDFFF14B0D}"/>
+              </a:ext>
+            </a:extLst>
+          </p:cNvPr>
           <p:cNvPicPr>
             <a:picLocks noChangeAspect="1"/>
           </p:cNvPicPr>
@@ -6073,8 +6343,8 @@
         </p:blipFill>
         <p:spPr>
           <a:xfrm>
-            <a:off x="228600" y="1212652"/>
-            <a:ext cx="8799339" cy="2644973"/>
+            <a:off x="228599" y="1397487"/>
+            <a:ext cx="8812975" cy="3303721"/>
           </a:xfrm>
           <a:prstGeom prst="rect">
             <a:avLst/>
@@ -6084,7 +6354,7 @@
     </p:spTree>
     <p:extLst>
       <p:ext uri="{BB962C8B-B14F-4D97-AF65-F5344CB8AC3E}">
-        <p14:creationId xmlns:p14="http://schemas.microsoft.com/office/powerpoint/2010/main" val="1470819153"/>
+        <p14:creationId xmlns:p14="http://schemas.microsoft.com/office/powerpoint/2010/main" val="1767024690"/>
       </p:ext>
     </p:extLst>
   </p:cSld>
@@ -6180,6 +6450,182 @@
         <p:spPr>
           <a:xfrm>
             <a:off x="228600" y="904875"/>
+            <a:ext cx="4540025" cy="307777"/>
+          </a:xfrm>
+          <a:prstGeom prst="rect">
+            <a:avLst/>
+          </a:prstGeom>
+          <a:noFill/>
+        </p:spPr>
+        <p:txBody>
+          <a:bodyPr wrap="none" rtlCol="0">
+            <a:spAutoFit/>
+          </a:bodyPr>
+          <a:lstStyle/>
+          <a:p>
+            <a:r>
+              <a:rPr lang="en-US" altLang="ko-KR" b="1" dirty="0"/>
+              <a:t>&lt;</a:t>
+            </a:r>
+            <a:r>
+              <a:rPr lang="ko-KR" altLang="en-US" b="1" dirty="0"/>
+              <a:t>시퀀스 다이어그램 </a:t>
+            </a:r>
+            <a:r>
+              <a:rPr lang="en-US" altLang="ko-KR" b="1" dirty="0"/>
+              <a:t>- UC021 </a:t>
+            </a:r>
+            <a:r>
+              <a:rPr lang="ko-KR" altLang="en-US" b="1" dirty="0" err="1"/>
+              <a:t>헌옷수거함을</a:t>
+            </a:r>
+            <a:r>
+              <a:rPr lang="ko-KR" altLang="en-US" b="1" dirty="0"/>
+              <a:t> 조회한다</a:t>
+            </a:r>
+            <a:r>
+              <a:rPr lang="en-US" altLang="ko-KR" b="1" dirty="0"/>
+              <a:t>.&gt;</a:t>
+            </a:r>
+            <a:endParaRPr lang="ko-KR" altLang="en-US" b="1" dirty="0"/>
+          </a:p>
+        </p:txBody>
+      </p:sp>
+      <p:pic>
+        <p:nvPicPr>
+          <p:cNvPr id="7" name="그림 6">
+            <a:extLst>
+              <a:ext uri="{FF2B5EF4-FFF2-40B4-BE49-F238E27FC236}">
+                <a16:creationId xmlns:a16="http://schemas.microsoft.com/office/drawing/2014/main" id="{DBBE093E-F890-1E5F-4D26-FFB261169370}"/>
+              </a:ext>
+            </a:extLst>
+          </p:cNvPr>
+          <p:cNvPicPr>
+            <a:picLocks noChangeAspect="1"/>
+          </p:cNvPicPr>
+          <p:nvPr/>
+        </p:nvPicPr>
+        <p:blipFill>
+          <a:blip r:embed="rId2">
+            <a:extLst>
+              <a:ext uri="{28A0092B-C50C-407E-A947-70E740481C1C}">
+                <a14:useLocalDpi xmlns:a14="http://schemas.microsoft.com/office/drawing/2010/main" val="0"/>
+              </a:ext>
+            </a:extLst>
+          </a:blip>
+          <a:stretch>
+            <a:fillRect/>
+          </a:stretch>
+        </p:blipFill>
+        <p:spPr>
+          <a:xfrm>
+            <a:off x="318051" y="1349108"/>
+            <a:ext cx="8716617" cy="3393330"/>
+          </a:xfrm>
+          <a:prstGeom prst="rect">
+            <a:avLst/>
+          </a:prstGeom>
+        </p:spPr>
+      </p:pic>
+    </p:spTree>
+    <p:extLst>
+      <p:ext uri="{BB962C8B-B14F-4D97-AF65-F5344CB8AC3E}">
+        <p14:creationId xmlns:p14="http://schemas.microsoft.com/office/powerpoint/2010/main" val="1470819153"/>
+      </p:ext>
+    </p:extLst>
+  </p:cSld>
+  <p:clrMapOvr>
+    <a:masterClrMapping/>
+  </p:clrMapOvr>
+</p:sld>
+</file>
+
+<file path=ppt/slides/slide24.xml><?xml version="1.0" encoding="utf-8"?>
+<p:sld xmlns:a="http://schemas.openxmlformats.org/drawingml/2006/main" xmlns:r="http://schemas.openxmlformats.org/officeDocument/2006/relationships" xmlns:p="http://schemas.openxmlformats.org/presentationml/2006/main">
+  <p:cSld>
+    <p:spTree>
+      <p:nvGrpSpPr>
+        <p:cNvPr id="1" name=""/>
+        <p:cNvGrpSpPr/>
+        <p:nvPr/>
+      </p:nvGrpSpPr>
+      <p:grpSpPr>
+        <a:xfrm>
+          <a:off x="0" y="0"/>
+          <a:ext cx="0" cy="0"/>
+          <a:chOff x="0" y="0"/>
+          <a:chExt cx="0" cy="0"/>
+        </a:xfrm>
+      </p:grpSpPr>
+      <p:sp>
+        <p:nvSpPr>
+          <p:cNvPr id="2" name="바닥글 개체 틀 1"/>
+          <p:cNvSpPr>
+            <a:spLocks noGrp="1"/>
+          </p:cNvSpPr>
+          <p:nvPr>
+            <p:ph type="ftr" sz="quarter" idx="3"/>
+          </p:nvPr>
+        </p:nvSpPr>
+        <p:spPr/>
+        <p:txBody>
+          <a:bodyPr/>
+          <a:lstStyle/>
+          <a:p>
+            <a:pPr algn="r"/>
+            <a:r>
+              <a:rPr lang="ko-KR" altLang="en-US"/>
+              <a:t>복학원정대</a:t>
+            </a:r>
+            <a:endParaRPr lang="en-US" altLang="ko-KR" dirty="0"/>
+          </a:p>
+        </p:txBody>
+      </p:sp>
+      <p:sp>
+        <p:nvSpPr>
+          <p:cNvPr id="3" name="TextBox 2"/>
+          <p:cNvSpPr txBox="1"/>
+          <p:nvPr/>
+        </p:nvSpPr>
+        <p:spPr>
+          <a:xfrm>
+            <a:off x="1255958" y="245060"/>
+            <a:ext cx="1012789" cy="307777"/>
+          </a:xfrm>
+          <a:prstGeom prst="rect">
+            <a:avLst/>
+          </a:prstGeom>
+          <a:noFill/>
+        </p:spPr>
+        <p:txBody>
+          <a:bodyPr wrap="square" rtlCol="0">
+            <a:spAutoFit/>
+          </a:bodyPr>
+          <a:lstStyle/>
+          <a:p>
+            <a:r>
+              <a:rPr lang="en-US" altLang="ko-KR" dirty="0">
+                <a:latin typeface="Times New Roman" panose="02020603050405020304" pitchFamily="18" charset="0"/>
+                <a:cs typeface="Times New Roman" panose="02020603050405020304" pitchFamily="18" charset="0"/>
+              </a:rPr>
+              <a:t>On Cloth</a:t>
+            </a:r>
+            <a:endParaRPr lang="ko-KR" altLang="en-US" dirty="0">
+              <a:latin typeface="Times New Roman" panose="02020603050405020304" pitchFamily="18" charset="0"/>
+              <a:cs typeface="Times New Roman" panose="02020603050405020304" pitchFamily="18" charset="0"/>
+            </a:endParaRPr>
+          </a:p>
+        </p:txBody>
+      </p:sp>
+      <p:sp>
+        <p:nvSpPr>
+          <p:cNvPr id="5" name="TextBox 4"/>
+          <p:cNvSpPr txBox="1"/>
+          <p:nvPr/>
+        </p:nvSpPr>
+        <p:spPr>
+          <a:xfrm>
+            <a:off x="228600" y="904875"/>
             <a:ext cx="1879041" cy="307777"/>
           </a:xfrm>
           <a:prstGeom prst="rect">
@@ -6224,7 +6670,7 @@
           <p:nvPr/>
         </p:nvPicPr>
         <p:blipFill>
-          <a:blip r:embed="rId2">
+          <a:blip r:embed="rId2" cstate="print">
             <a:extLst>
               <a:ext uri="{28A0092B-C50C-407E-A947-70E740481C1C}">
                 <a14:useLocalDpi xmlns:a14="http://schemas.microsoft.com/office/drawing/2010/main" val="0"/>
@@ -6335,16 +6781,68 @@
           </a:p>
         </p:txBody>
       </p:sp>
+      <p:sp>
+        <p:nvSpPr>
+          <p:cNvPr id="5" name="TextBox 4"/>
+          <p:cNvSpPr txBox="1"/>
+          <p:nvPr/>
+        </p:nvSpPr>
+        <p:spPr>
+          <a:xfrm>
+            <a:off x="228600" y="904875"/>
+            <a:ext cx="2297424" cy="307777"/>
+          </a:xfrm>
+          <a:prstGeom prst="rect">
+            <a:avLst/>
+          </a:prstGeom>
+          <a:noFill/>
+        </p:spPr>
+        <p:txBody>
+          <a:bodyPr wrap="none" rtlCol="0">
+            <a:spAutoFit/>
+          </a:bodyPr>
+          <a:lstStyle/>
+          <a:p>
+            <a:r>
+              <a:rPr lang="en-US" altLang="ko-KR" b="1" dirty="0"/>
+              <a:t>&lt;</a:t>
+            </a:r>
+            <a:r>
+              <a:rPr lang="ko-KR" altLang="en-US" b="1" dirty="0"/>
+              <a:t>클래스 다이어그램</a:t>
+            </a:r>
+            <a:r>
+              <a:rPr lang="en-US" altLang="ko-KR" b="1" dirty="0"/>
+              <a:t>-</a:t>
+            </a:r>
+            <a:r>
+              <a:rPr lang="ko-KR" altLang="en-US" b="1" dirty="0"/>
+              <a:t>유저</a:t>
+            </a:r>
+            <a:r>
+              <a:rPr lang="en-US" altLang="ko-KR" b="1" dirty="0"/>
+              <a:t>&gt;</a:t>
+            </a:r>
+            <a:endParaRPr lang="ko-KR" altLang="en-US" b="1" dirty="0"/>
+          </a:p>
+        </p:txBody>
+      </p:sp>
       <p:pic>
         <p:nvPicPr>
-          <p:cNvPr id="4" name="그림 3"/>
+          <p:cNvPr id="7" name="그림 6">
+            <a:extLst>
+              <a:ext uri="{FF2B5EF4-FFF2-40B4-BE49-F238E27FC236}">
+                <a16:creationId xmlns:a16="http://schemas.microsoft.com/office/drawing/2014/main" id="{A14B7A07-45DA-1157-E962-290F87306C98}"/>
+              </a:ext>
+            </a:extLst>
+          </p:cNvPr>
           <p:cNvPicPr>
             <a:picLocks noChangeAspect="1"/>
           </p:cNvPicPr>
           <p:nvPr/>
         </p:nvPicPr>
         <p:blipFill>
-          <a:blip r:embed="rId2" cstate="print">
+          <a:blip r:embed="rId2">
             <a:extLst>
               <a:ext uri="{28A0092B-C50C-407E-A947-70E740481C1C}">
                 <a14:useLocalDpi xmlns:a14="http://schemas.microsoft.com/office/drawing/2010/main" val="0"/>
@@ -6357,52 +6855,14 @@
         </p:blipFill>
         <p:spPr>
           <a:xfrm>
-            <a:off x="123825" y="1377807"/>
-            <a:ext cx="8899665" cy="3937143"/>
+            <a:off x="393654" y="1564690"/>
+            <a:ext cx="8356692" cy="4053662"/>
           </a:xfrm>
           <a:prstGeom prst="rect">
             <a:avLst/>
           </a:prstGeom>
         </p:spPr>
       </p:pic>
-      <p:sp>
-        <p:nvSpPr>
-          <p:cNvPr id="5" name="TextBox 4"/>
-          <p:cNvSpPr txBox="1"/>
-          <p:nvPr/>
-        </p:nvSpPr>
-        <p:spPr>
-          <a:xfrm>
-            <a:off x="228600" y="904875"/>
-            <a:ext cx="1853392" cy="307777"/>
-          </a:xfrm>
-          <a:prstGeom prst="rect">
-            <a:avLst/>
-          </a:prstGeom>
-          <a:noFill/>
-        </p:spPr>
-        <p:txBody>
-          <a:bodyPr wrap="none" rtlCol="0">
-            <a:spAutoFit/>
-          </a:bodyPr>
-          <a:lstStyle/>
-          <a:p>
-            <a:r>
-              <a:rPr lang="en-US" altLang="ko-KR" b="1" dirty="0"/>
-              <a:t>&lt;</a:t>
-            </a:r>
-            <a:r>
-              <a:rPr lang="ko-KR" altLang="en-US" b="1" dirty="0"/>
-              <a:t>클래스 다이어그램</a:t>
-            </a:r>
-            <a:r>
-              <a:rPr lang="en-US" altLang="ko-KR" b="1" dirty="0"/>
-              <a:t>&gt;</a:t>
-            </a:r>
-            <a:endParaRPr lang="ko-KR" altLang="en-US" b="1" dirty="0"/>
-          </a:p>
-        </p:txBody>
-      </p:sp>
     </p:spTree>
   </p:cSld>
   <p:clrMapOvr>
@@ -6497,7 +6957,7 @@
         <p:spPr>
           <a:xfrm>
             <a:off x="228600" y="904875"/>
-            <a:ext cx="1853392" cy="307777"/>
+            <a:ext cx="2117887" cy="307777"/>
           </a:xfrm>
           <a:prstGeom prst="rect">
             <a:avLst/>
@@ -6516,7 +6976,15 @@
             </a:r>
             <a:r>
               <a:rPr lang="ko-KR" altLang="en-US" b="1" dirty="0"/>
-              <a:t>시퀀스 다이어그램</a:t>
+              <a:t>클래스 다이어그램</a:t>
+            </a:r>
+            <a:r>
+              <a:rPr lang="en-US" altLang="ko-KR" b="1" dirty="0"/>
+              <a:t>-</a:t>
+            </a:r>
+            <a:r>
+              <a:rPr lang="ko-KR" altLang="en-US" b="1" dirty="0"/>
+              <a:t>옷</a:t>
             </a:r>
             <a:r>
               <a:rPr lang="en-US" altLang="ko-KR" b="1" dirty="0"/>
@@ -6528,7 +6996,13 @@
       </p:sp>
       <p:pic>
         <p:nvPicPr>
-          <p:cNvPr id="7" name="그림 6"/>
+          <p:cNvPr id="6" name="그림 5">
+            <a:extLst>
+              <a:ext uri="{FF2B5EF4-FFF2-40B4-BE49-F238E27FC236}">
+                <a16:creationId xmlns:a16="http://schemas.microsoft.com/office/drawing/2014/main" id="{4D3B935F-DFF6-F321-ED4D-F0ABBC278ED9}"/>
+              </a:ext>
+            </a:extLst>
+          </p:cNvPr>
           <p:cNvPicPr>
             <a:picLocks noChangeAspect="1"/>
           </p:cNvPicPr>
@@ -6548,8 +7022,44 @@
         </p:blipFill>
         <p:spPr>
           <a:xfrm>
-            <a:off x="228600" y="1212652"/>
-            <a:ext cx="7481657" cy="5073848"/>
+            <a:off x="-80505" y="1212652"/>
+            <a:ext cx="5578338" cy="5128357"/>
+          </a:xfrm>
+          <a:prstGeom prst="rect">
+            <a:avLst/>
+          </a:prstGeom>
+        </p:spPr>
+      </p:pic>
+      <p:pic>
+        <p:nvPicPr>
+          <p:cNvPr id="11" name="그림 10">
+            <a:extLst>
+              <a:ext uri="{FF2B5EF4-FFF2-40B4-BE49-F238E27FC236}">
+                <a16:creationId xmlns:a16="http://schemas.microsoft.com/office/drawing/2014/main" id="{BB424FB7-3CA1-BC36-F4E4-77B34134AF75}"/>
+              </a:ext>
+            </a:extLst>
+          </p:cNvPr>
+          <p:cNvPicPr>
+            <a:picLocks noChangeAspect="1"/>
+          </p:cNvPicPr>
+          <p:nvPr/>
+        </p:nvPicPr>
+        <p:blipFill>
+          <a:blip r:embed="rId3">
+            <a:extLst>
+              <a:ext uri="{28A0092B-C50C-407E-A947-70E740481C1C}">
+                <a14:useLocalDpi xmlns:a14="http://schemas.microsoft.com/office/drawing/2010/main" val="0"/>
+              </a:ext>
+            </a:extLst>
+          </a:blip>
+          <a:stretch>
+            <a:fillRect/>
+          </a:stretch>
+        </p:blipFill>
+        <p:spPr>
+          <a:xfrm>
+            <a:off x="5311394" y="1898374"/>
+            <a:ext cx="3549114" cy="3746974"/>
           </a:xfrm>
           <a:prstGeom prst="rect">
             <a:avLst/>
@@ -6559,7 +7069,7 @@
     </p:spTree>
     <p:extLst>
       <p:ext uri="{BB962C8B-B14F-4D97-AF65-F5344CB8AC3E}">
-        <p14:creationId xmlns:p14="http://schemas.microsoft.com/office/powerpoint/2010/main" val="751728423"/>
+        <p14:creationId xmlns:p14="http://schemas.microsoft.com/office/powerpoint/2010/main" val="1104547082"/>
       </p:ext>
     </p:extLst>
   </p:cSld>
@@ -6655,7 +7165,7 @@
         <p:spPr>
           <a:xfrm>
             <a:off x="228600" y="904875"/>
-            <a:ext cx="1853392" cy="307777"/>
+            <a:ext cx="3902030" cy="307777"/>
           </a:xfrm>
           <a:prstGeom prst="rect">
             <a:avLst/>
@@ -6678,7 +7188,15 @@
             </a:r>
             <a:r>
               <a:rPr lang="en-US" altLang="ko-KR" b="1" dirty="0"/>
-              <a:t>&gt;</a:t>
+              <a:t>-UC001 </a:t>
+            </a:r>
+            <a:r>
+              <a:rPr lang="ko-KR" altLang="en-US" b="1" dirty="0"/>
+              <a:t>회원가입을 한다</a:t>
+            </a:r>
+            <a:r>
+              <a:rPr lang="en-US" altLang="ko-KR" b="1" dirty="0"/>
+              <a:t>.&gt;</a:t>
             </a:r>
             <a:endParaRPr lang="ko-KR" altLang="en-US" b="1" dirty="0"/>
           </a:p>
@@ -6686,14 +7204,20 @@
       </p:sp>
       <p:pic>
         <p:nvPicPr>
-          <p:cNvPr id="4" name="그림 3"/>
+          <p:cNvPr id="6" name="그림 5">
+            <a:extLst>
+              <a:ext uri="{FF2B5EF4-FFF2-40B4-BE49-F238E27FC236}">
+                <a16:creationId xmlns:a16="http://schemas.microsoft.com/office/drawing/2014/main" id="{E034B774-3CA6-1D9C-D5AA-FD5C8295725D}"/>
+              </a:ext>
+            </a:extLst>
+          </p:cNvPr>
           <p:cNvPicPr>
             <a:picLocks noChangeAspect="1"/>
           </p:cNvPicPr>
           <p:nvPr/>
         </p:nvPicPr>
         <p:blipFill>
-          <a:blip r:embed="rId2" cstate="print">
+          <a:blip r:embed="rId2">
             <a:extLst>
               <a:ext uri="{28A0092B-C50C-407E-A947-70E740481C1C}">
                 <a14:useLocalDpi xmlns:a14="http://schemas.microsoft.com/office/drawing/2010/main" val="0"/>
@@ -6706,8 +7230,8 @@
         </p:blipFill>
         <p:spPr>
           <a:xfrm>
-            <a:off x="228600" y="1212652"/>
-            <a:ext cx="7488305" cy="5078356"/>
+            <a:off x="228600" y="1320234"/>
+            <a:ext cx="8860508" cy="3894155"/>
           </a:xfrm>
           <a:prstGeom prst="rect">
             <a:avLst/>
@@ -6717,7 +7241,7 @@
     </p:spTree>
     <p:extLst>
       <p:ext uri="{BB962C8B-B14F-4D97-AF65-F5344CB8AC3E}">
-        <p14:creationId xmlns:p14="http://schemas.microsoft.com/office/powerpoint/2010/main" val="1053863250"/>
+        <p14:creationId xmlns:p14="http://schemas.microsoft.com/office/powerpoint/2010/main" val="751728423"/>
       </p:ext>
     </p:extLst>
   </p:cSld>
@@ -6813,7 +7337,7 @@
         <p:spPr>
           <a:xfrm>
             <a:off x="228600" y="904875"/>
-            <a:ext cx="1853392" cy="307777"/>
+            <a:ext cx="3722494" cy="307777"/>
           </a:xfrm>
           <a:prstGeom prst="rect">
             <a:avLst/>
@@ -6836,7 +7360,15 @@
             </a:r>
             <a:r>
               <a:rPr lang="en-US" altLang="ko-KR" b="1" dirty="0"/>
-              <a:t>&gt;</a:t>
+              <a:t>-UC002 </a:t>
+            </a:r>
+            <a:r>
+              <a:rPr lang="ko-KR" altLang="en-US" b="1" dirty="0"/>
+              <a:t>로그인을 한다</a:t>
+            </a:r>
+            <a:r>
+              <a:rPr lang="en-US" altLang="ko-KR" b="1" dirty="0"/>
+              <a:t>.&gt;</a:t>
             </a:r>
             <a:endParaRPr lang="ko-KR" altLang="en-US" b="1" dirty="0"/>
           </a:p>
@@ -6844,14 +7376,20 @@
       </p:sp>
       <p:pic>
         <p:nvPicPr>
-          <p:cNvPr id="6" name="그림 5"/>
+          <p:cNvPr id="7" name="그림 6">
+            <a:extLst>
+              <a:ext uri="{FF2B5EF4-FFF2-40B4-BE49-F238E27FC236}">
+                <a16:creationId xmlns:a16="http://schemas.microsoft.com/office/drawing/2014/main" id="{066746D1-D03F-120B-D859-BE99B1695D59}"/>
+              </a:ext>
+            </a:extLst>
+          </p:cNvPr>
           <p:cNvPicPr>
             <a:picLocks noChangeAspect="1"/>
           </p:cNvPicPr>
           <p:nvPr/>
         </p:nvPicPr>
         <p:blipFill>
-          <a:blip r:embed="rId2" cstate="print">
+          <a:blip r:embed="rId2">
             <a:extLst>
               <a:ext uri="{28A0092B-C50C-407E-A947-70E740481C1C}">
                 <a14:useLocalDpi xmlns:a14="http://schemas.microsoft.com/office/drawing/2010/main" val="0"/>
@@ -6864,8 +7402,8 @@
         </p:blipFill>
         <p:spPr>
           <a:xfrm>
-            <a:off x="228600" y="1212652"/>
-            <a:ext cx="7488305" cy="5078356"/>
+            <a:off x="188843" y="1347659"/>
+            <a:ext cx="8766313" cy="3990746"/>
           </a:xfrm>
           <a:prstGeom prst="rect">
             <a:avLst/>
@@ -6875,7 +7413,7 @@
     </p:spTree>
     <p:extLst>
       <p:ext uri="{BB962C8B-B14F-4D97-AF65-F5344CB8AC3E}">
-        <p14:creationId xmlns:p14="http://schemas.microsoft.com/office/powerpoint/2010/main" val="1682895827"/>
+        <p14:creationId xmlns:p14="http://schemas.microsoft.com/office/powerpoint/2010/main" val="1053863250"/>
       </p:ext>
     </p:extLst>
   </p:cSld>
@@ -6971,7 +7509,7 @@
         <p:spPr>
           <a:xfrm>
             <a:off x="228600" y="904875"/>
-            <a:ext cx="1853392" cy="307777"/>
+            <a:ext cx="4464684" cy="307777"/>
           </a:xfrm>
           <a:prstGeom prst="rect">
             <a:avLst/>
@@ -6994,7 +7532,15 @@
             </a:r>
             <a:r>
               <a:rPr lang="en-US" altLang="ko-KR" b="1" dirty="0"/>
-              <a:t>&gt;</a:t>
+              <a:t> - UC003 </a:t>
+            </a:r>
+            <a:r>
+              <a:rPr lang="ko-KR" altLang="en-US" b="1" dirty="0"/>
+              <a:t>홈페이지에 접속한다</a:t>
+            </a:r>
+            <a:r>
+              <a:rPr lang="en-US" altLang="ko-KR" b="1" dirty="0"/>
+              <a:t>.&gt;</a:t>
             </a:r>
             <a:endParaRPr lang="ko-KR" altLang="en-US" b="1" dirty="0"/>
           </a:p>
@@ -7002,14 +7548,20 @@
       </p:sp>
       <p:pic>
         <p:nvPicPr>
-          <p:cNvPr id="4" name="그림 3"/>
+          <p:cNvPr id="7" name="그림 6">
+            <a:extLst>
+              <a:ext uri="{FF2B5EF4-FFF2-40B4-BE49-F238E27FC236}">
+                <a16:creationId xmlns:a16="http://schemas.microsoft.com/office/drawing/2014/main" id="{8FCA4E8C-6FA4-C2C7-B502-6158E82AA03F}"/>
+              </a:ext>
+            </a:extLst>
+          </p:cNvPr>
           <p:cNvPicPr>
             <a:picLocks noChangeAspect="1"/>
           </p:cNvPicPr>
           <p:nvPr/>
         </p:nvPicPr>
         <p:blipFill>
-          <a:blip r:embed="rId2" cstate="print">
+          <a:blip r:embed="rId2">
             <a:extLst>
               <a:ext uri="{28A0092B-C50C-407E-A947-70E740481C1C}">
                 <a14:useLocalDpi xmlns:a14="http://schemas.microsoft.com/office/drawing/2010/main" val="0"/>
@@ -7022,8 +7574,8 @@
         </p:blipFill>
         <p:spPr>
           <a:xfrm>
-            <a:off x="228600" y="1212652"/>
-            <a:ext cx="7488305" cy="5078356"/>
+            <a:off x="540202" y="1564690"/>
+            <a:ext cx="7651363" cy="3705232"/>
           </a:xfrm>
           <a:prstGeom prst="rect">
             <a:avLst/>
@@ -7033,7 +7585,7 @@
     </p:spTree>
     <p:extLst>
       <p:ext uri="{BB962C8B-B14F-4D97-AF65-F5344CB8AC3E}">
-        <p14:creationId xmlns:p14="http://schemas.microsoft.com/office/powerpoint/2010/main" val="504262375"/>
+        <p14:creationId xmlns:p14="http://schemas.microsoft.com/office/powerpoint/2010/main" val="1682895827"/>
       </p:ext>
     </p:extLst>
   </p:cSld>
@@ -7129,7 +7681,7 @@
         <p:spPr>
           <a:xfrm>
             <a:off x="228600" y="904875"/>
-            <a:ext cx="1853392" cy="307777"/>
+            <a:ext cx="4360489" cy="307777"/>
           </a:xfrm>
           <a:prstGeom prst="rect">
             <a:avLst/>
@@ -7148,11 +7700,19 @@
             </a:r>
             <a:r>
               <a:rPr lang="ko-KR" altLang="en-US" b="1" dirty="0"/>
-              <a:t>시퀀스 다이어그램</a:t>
+              <a:t>시퀀스 다이어그램 </a:t>
             </a:r>
             <a:r>
               <a:rPr lang="en-US" altLang="ko-KR" b="1" dirty="0"/>
-              <a:t>&gt;</a:t>
+              <a:t>- UC004 </a:t>
+            </a:r>
+            <a:r>
+              <a:rPr lang="ko-KR" altLang="en-US" b="1" dirty="0"/>
+              <a:t>회원정보를 수정한다</a:t>
+            </a:r>
+            <a:r>
+              <a:rPr lang="en-US" altLang="ko-KR" b="1" dirty="0"/>
+              <a:t>.&gt;</a:t>
             </a:r>
             <a:endParaRPr lang="ko-KR" altLang="en-US" b="1" dirty="0"/>
           </a:p>
@@ -7160,14 +7720,20 @@
       </p:sp>
       <p:pic>
         <p:nvPicPr>
-          <p:cNvPr id="6" name="그림 5"/>
+          <p:cNvPr id="7" name="그림 6">
+            <a:extLst>
+              <a:ext uri="{FF2B5EF4-FFF2-40B4-BE49-F238E27FC236}">
+                <a16:creationId xmlns:a16="http://schemas.microsoft.com/office/drawing/2014/main" id="{9DF381EF-1FB3-F52E-39F1-9F5481CA1C97}"/>
+              </a:ext>
+            </a:extLst>
+          </p:cNvPr>
           <p:cNvPicPr>
             <a:picLocks noChangeAspect="1"/>
           </p:cNvPicPr>
           <p:nvPr/>
         </p:nvPicPr>
         <p:blipFill>
-          <a:blip r:embed="rId2" cstate="print">
+          <a:blip r:embed="rId2">
             <a:extLst>
               <a:ext uri="{28A0092B-C50C-407E-A947-70E740481C1C}">
                 <a14:useLocalDpi xmlns:a14="http://schemas.microsoft.com/office/drawing/2010/main" val="0"/>
@@ -7181,7 +7747,7 @@
         <p:spPr>
           <a:xfrm>
             <a:off x="228600" y="1212652"/>
-            <a:ext cx="7488305" cy="5078356"/>
+            <a:ext cx="8820436" cy="4810461"/>
           </a:xfrm>
           <a:prstGeom prst="rect">
             <a:avLst/>
@@ -7191,7 +7757,7 @@
     </p:spTree>
     <p:extLst>
       <p:ext uri="{BB962C8B-B14F-4D97-AF65-F5344CB8AC3E}">
-        <p14:creationId xmlns:p14="http://schemas.microsoft.com/office/powerpoint/2010/main" val="2551100851"/>
+        <p14:creationId xmlns:p14="http://schemas.microsoft.com/office/powerpoint/2010/main" val="504262375"/>
       </p:ext>
     </p:extLst>
   </p:cSld>
@@ -7287,7 +7853,7 @@
         <p:spPr>
           <a:xfrm>
             <a:off x="228600" y="904875"/>
-            <a:ext cx="1853392" cy="307777"/>
+            <a:ext cx="4540025" cy="307777"/>
           </a:xfrm>
           <a:prstGeom prst="rect">
             <a:avLst/>
@@ -7310,7 +7876,15 @@
             </a:r>
             <a:r>
               <a:rPr lang="en-US" altLang="ko-KR" b="1" dirty="0"/>
-              <a:t>&gt;</a:t>
+              <a:t> - UC006 </a:t>
+            </a:r>
+            <a:r>
+              <a:rPr lang="ko-KR" altLang="en-US" b="1" dirty="0"/>
+              <a:t>회원비밀번호를 찾는다</a:t>
+            </a:r>
+            <a:r>
+              <a:rPr lang="en-US" altLang="ko-KR" b="1" dirty="0"/>
+              <a:t>.&gt;</a:t>
             </a:r>
             <a:endParaRPr lang="ko-KR" altLang="en-US" b="1" dirty="0"/>
           </a:p>
@@ -7318,14 +7892,20 @@
       </p:sp>
       <p:pic>
         <p:nvPicPr>
-          <p:cNvPr id="4" name="그림 3"/>
+          <p:cNvPr id="7" name="그림 6">
+            <a:extLst>
+              <a:ext uri="{FF2B5EF4-FFF2-40B4-BE49-F238E27FC236}">
+                <a16:creationId xmlns:a16="http://schemas.microsoft.com/office/drawing/2014/main" id="{331FC85A-4AC3-D71A-1A66-C8A8850EC77C}"/>
+              </a:ext>
+            </a:extLst>
+          </p:cNvPr>
           <p:cNvPicPr>
             <a:picLocks noChangeAspect="1"/>
           </p:cNvPicPr>
           <p:nvPr/>
         </p:nvPicPr>
         <p:blipFill>
-          <a:blip r:embed="rId2" cstate="print">
+          <a:blip r:embed="rId2">
             <a:extLst>
               <a:ext uri="{28A0092B-C50C-407E-A947-70E740481C1C}">
                 <a14:useLocalDpi xmlns:a14="http://schemas.microsoft.com/office/drawing/2010/main" val="0"/>
@@ -7338,8 +7918,8 @@
         </p:blipFill>
         <p:spPr>
           <a:xfrm>
-            <a:off x="228600" y="1212652"/>
-            <a:ext cx="7488305" cy="5078356"/>
+            <a:off x="228600" y="1366929"/>
+            <a:ext cx="8631908" cy="4150535"/>
           </a:xfrm>
           <a:prstGeom prst="rect">
             <a:avLst/>
@@ -7349,7 +7929,7 @@
     </p:spTree>
     <p:extLst>
       <p:ext uri="{BB962C8B-B14F-4D97-AF65-F5344CB8AC3E}">
-        <p14:creationId xmlns:p14="http://schemas.microsoft.com/office/powerpoint/2010/main" val="771952287"/>
+        <p14:creationId xmlns:p14="http://schemas.microsoft.com/office/powerpoint/2010/main" val="2551100851"/>
       </p:ext>
     </p:extLst>
   </p:cSld>
